--- a/Vendor_Boards/Microchip_PICDEM 2 plus_board_2010/tutorials/GCBASIC_Part19_Summary.pptx
+++ b/Vendor_Boards/Microchip_PICDEM 2 plus_board_2010/tutorials/GCBASIC_Part19_Summary.pptx
@@ -5,23 +5,24 @@
     <p:sldMasterId id="2147483660" r:id="rId1"/>
   </p:sldMasterIdLst>
   <p:notesMasterIdLst>
-    <p:notesMasterId r:id="rId13"/>
+    <p:notesMasterId r:id="rId14"/>
   </p:notesMasterIdLst>
   <p:handoutMasterIdLst>
-    <p:handoutMasterId r:id="rId14"/>
+    <p:handoutMasterId r:id="rId15"/>
   </p:handoutMasterIdLst>
   <p:sldIdLst>
     <p:sldId id="364" r:id="rId2"/>
     <p:sldId id="365" r:id="rId3"/>
     <p:sldId id="295" r:id="rId4"/>
     <p:sldId id="367" r:id="rId5"/>
-    <p:sldId id="356" r:id="rId6"/>
+    <p:sldId id="368" r:id="rId6"/>
     <p:sldId id="358" r:id="rId7"/>
     <p:sldId id="359" r:id="rId8"/>
     <p:sldId id="360" r:id="rId9"/>
-    <p:sldId id="362" r:id="rId10"/>
-    <p:sldId id="363" r:id="rId11"/>
-    <p:sldId id="366" r:id="rId12"/>
+    <p:sldId id="369" r:id="rId10"/>
+    <p:sldId id="362" r:id="rId11"/>
+    <p:sldId id="363" r:id="rId12"/>
+    <p:sldId id="366" r:id="rId13"/>
   </p:sldIdLst>
   <p:sldSz cx="9144000" cy="5143500" type="screen16x9"/>
   <p:notesSz cx="6858000" cy="9144000"/>
@@ -206,7 +207,7 @@
             <a:fld id="{742E545A-AB39-44F0-B5A6-04A90C6C9399}" type="datetimeFigureOut">
               <a:rPr lang="en-GB" smtClean="0"/>
               <a:pPr/>
-              <a:t>28/01/2025</a:t>
+              <a:t>29/01/2025</a:t>
             </a:fld>
             <a:endParaRPr lang="en-GB" dirty="0"/>
           </a:p>
@@ -373,7 +374,7 @@
             <a:fld id="{FF100B3C-2E11-428B-8555-A77018253716}" type="datetimeFigureOut">
               <a:rPr lang="en-GB" smtClean="0"/>
               <a:pPr/>
-              <a:t>28/01/2025</a:t>
+              <a:t>29/01/2025</a:t>
             </a:fld>
             <a:endParaRPr lang="en-GB" dirty="0"/>
           </a:p>
@@ -666,7 +667,7 @@
           <p:cNvPr id="7" name="Rectangle 6">
             <a:extLst>
               <a:ext uri="{FF2B5EF4-FFF2-40B4-BE49-F238E27FC236}">
-                <a16:creationId xmlns:a16="http://schemas.microsoft.com/office/drawing/2014/main" xmlns="" id="{9C757326-0232-4CDF-81FF-302CA676961B}"/>
+                <a16:creationId xmlns="" xmlns:a16="http://schemas.microsoft.com/office/drawing/2014/main" id="{9C757326-0232-4CDF-81FF-302CA676961B}"/>
               </a:ext>
             </a:extLst>
           </p:cNvPr>
@@ -718,7 +719,7 @@
           <p:cNvPr id="8" name="Picture 7">
             <a:extLst>
               <a:ext uri="{FF2B5EF4-FFF2-40B4-BE49-F238E27FC236}">
-                <a16:creationId xmlns:a16="http://schemas.microsoft.com/office/drawing/2014/main" xmlns="" id="{4987E008-68E6-4A43-85BC-1A6ACDF91DE1}"/>
+                <a16:creationId xmlns="" xmlns:a16="http://schemas.microsoft.com/office/drawing/2014/main" id="{4987E008-68E6-4A43-85BC-1A6ACDF91DE1}"/>
               </a:ext>
             </a:extLst>
           </p:cNvPr>
@@ -747,7 +748,7 @@
           <p:cNvPr id="11" name="Picture 10">
             <a:extLst>
               <a:ext uri="{FF2B5EF4-FFF2-40B4-BE49-F238E27FC236}">
-                <a16:creationId xmlns:a16="http://schemas.microsoft.com/office/drawing/2014/main" xmlns="" id="{A1F8C892-C868-4DF6-91AB-B18CE632B10F}"/>
+                <a16:creationId xmlns="" xmlns:a16="http://schemas.microsoft.com/office/drawing/2014/main" id="{A1F8C892-C868-4DF6-91AB-B18CE632B10F}"/>
               </a:ext>
             </a:extLst>
           </p:cNvPr>
@@ -933,7 +934,7 @@
           <p:cNvPr id="12" name="Text Placeholder 2">
             <a:extLst>
               <a:ext uri="{FF2B5EF4-FFF2-40B4-BE49-F238E27FC236}">
-                <a16:creationId xmlns:a16="http://schemas.microsoft.com/office/drawing/2014/main" xmlns="" id="{D547E580-E6D6-4D97-BB04-05795A830147}"/>
+                <a16:creationId xmlns="" xmlns:a16="http://schemas.microsoft.com/office/drawing/2014/main" id="{D547E580-E6D6-4D97-BB04-05795A830147}"/>
               </a:ext>
             </a:extLst>
           </p:cNvPr>
@@ -1086,7 +1087,7 @@
           <p:cNvPr id="9" name="Picture 8">
             <a:extLst>
               <a:ext uri="{FF2B5EF4-FFF2-40B4-BE49-F238E27FC236}">
-                <a16:creationId xmlns:a16="http://schemas.microsoft.com/office/drawing/2014/main" xmlns="" id="{7CE2C968-D10A-4226-8FDC-CBC4C7EDD0B7}"/>
+                <a16:creationId xmlns="" xmlns:a16="http://schemas.microsoft.com/office/drawing/2014/main" id="{7CE2C968-D10A-4226-8FDC-CBC4C7EDD0B7}"/>
               </a:ext>
             </a:extLst>
           </p:cNvPr>
@@ -1288,7 +1289,7 @@
             <a:fld id="{C473AACB-D821-4991-9D88-46EB8D29E619}" type="datetimeFigureOut">
               <a:rPr lang="en-GB" smtClean="0"/>
               <a:pPr/>
-              <a:t>28/01/2025</a:t>
+              <a:t>29/01/2025</a:t>
             </a:fld>
             <a:endParaRPr lang="en-GB" dirty="0"/>
           </a:p>
@@ -1372,7 +1373,7 @@
           <p:cNvPr id="9" name="Picture 8">
             <a:extLst>
               <a:ext uri="{FF2B5EF4-FFF2-40B4-BE49-F238E27FC236}">
-                <a16:creationId xmlns:a16="http://schemas.microsoft.com/office/drawing/2014/main" xmlns="" id="{6AB5D66D-00C1-40EA-BFC8-305566F10369}"/>
+                <a16:creationId xmlns="" xmlns:a16="http://schemas.microsoft.com/office/drawing/2014/main" id="{6AB5D66D-00C1-40EA-BFC8-305566F10369}"/>
               </a:ext>
             </a:extLst>
           </p:cNvPr>
@@ -1582,7 +1583,7 @@
             <a:fld id="{C473AACB-D821-4991-9D88-46EB8D29E619}" type="datetimeFigureOut">
               <a:rPr lang="en-GB" smtClean="0"/>
               <a:pPr/>
-              <a:t>28/01/2025</a:t>
+              <a:t>29/01/2025</a:t>
             </a:fld>
             <a:endParaRPr lang="en-GB" dirty="0"/>
           </a:p>
@@ -1835,7 +1836,7 @@
             <a:fld id="{C473AACB-D821-4991-9D88-46EB8D29E619}" type="datetimeFigureOut">
               <a:rPr lang="en-GB" smtClean="0"/>
               <a:pPr/>
-              <a:t>28/01/2025</a:t>
+              <a:t>29/01/2025</a:t>
             </a:fld>
             <a:endParaRPr lang="en-GB" dirty="0"/>
           </a:p>
@@ -1889,7 +1890,7 @@
           <p:cNvPr id="8" name="Picture 7">
             <a:extLst>
               <a:ext uri="{FF2B5EF4-FFF2-40B4-BE49-F238E27FC236}">
-                <a16:creationId xmlns:a16="http://schemas.microsoft.com/office/drawing/2014/main" xmlns="" id="{AD4D4CB4-D965-4BB6-B218-086244C13BAE}"/>
+                <a16:creationId xmlns="" xmlns:a16="http://schemas.microsoft.com/office/drawing/2014/main" id="{AD4D4CB4-D965-4BB6-B218-086244C13BAE}"/>
               </a:ext>
             </a:extLst>
           </p:cNvPr>
@@ -2180,7 +2181,7 @@
             <a:fld id="{C473AACB-D821-4991-9D88-46EB8D29E619}" type="datetimeFigureOut">
               <a:rPr lang="en-GB" smtClean="0"/>
               <a:pPr/>
-              <a:t>28/01/2025</a:t>
+              <a:t>29/01/2025</a:t>
             </a:fld>
             <a:endParaRPr lang="en-GB" dirty="0"/>
           </a:p>
@@ -2324,7 +2325,7 @@
           <p:cNvPr id="11" name="Picture 10">
             <a:extLst>
               <a:ext uri="{FF2B5EF4-FFF2-40B4-BE49-F238E27FC236}">
-                <a16:creationId xmlns:a16="http://schemas.microsoft.com/office/drawing/2014/main" xmlns="" id="{A3B58C4E-0EF0-466C-9740-EC9F485CBD03}"/>
+                <a16:creationId xmlns="" xmlns:a16="http://schemas.microsoft.com/office/drawing/2014/main" id="{A3B58C4E-0EF0-466C-9740-EC9F485CBD03}"/>
               </a:ext>
             </a:extLst>
           </p:cNvPr>
@@ -2552,7 +2553,7 @@
             <a:fld id="{C473AACB-D821-4991-9D88-46EB8D29E619}" type="datetimeFigureOut">
               <a:rPr lang="en-GB" smtClean="0"/>
               <a:pPr/>
-              <a:t>28/01/2025</a:t>
+              <a:t>29/01/2025</a:t>
             </a:fld>
             <a:endParaRPr lang="en-GB" dirty="0"/>
           </a:p>
@@ -2606,7 +2607,7 @@
           <p:cNvPr id="7" name="Picture 6">
             <a:extLst>
               <a:ext uri="{FF2B5EF4-FFF2-40B4-BE49-F238E27FC236}">
-                <a16:creationId xmlns:a16="http://schemas.microsoft.com/office/drawing/2014/main" xmlns="" id="{2D0B9223-1250-44AA-A6C3-F2013B85AEF3}"/>
+                <a16:creationId xmlns="" xmlns:a16="http://schemas.microsoft.com/office/drawing/2014/main" id="{2D0B9223-1250-44AA-A6C3-F2013B85AEF3}"/>
               </a:ext>
             </a:extLst>
           </p:cNvPr>
@@ -2898,7 +2899,7 @@
             <a:fld id="{C473AACB-D821-4991-9D88-46EB8D29E619}" type="datetimeFigureOut">
               <a:rPr lang="en-GB" smtClean="0"/>
               <a:pPr/>
-              <a:t>28/01/2025</a:t>
+              <a:t>29/01/2025</a:t>
             </a:fld>
             <a:endParaRPr lang="en-GB" dirty="0"/>
           </a:p>
@@ -3034,7 +3035,7 @@
           <p:cNvPr id="11" name="Picture 10">
             <a:extLst>
               <a:ext uri="{FF2B5EF4-FFF2-40B4-BE49-F238E27FC236}">
-                <a16:creationId xmlns:a16="http://schemas.microsoft.com/office/drawing/2014/main" xmlns="" id="{D49E1C7C-7E53-49A2-B2C9-52307876DB7E}"/>
+                <a16:creationId xmlns="" xmlns:a16="http://schemas.microsoft.com/office/drawing/2014/main" id="{D49E1C7C-7E53-49A2-B2C9-52307876DB7E}"/>
               </a:ext>
             </a:extLst>
           </p:cNvPr>
@@ -3322,7 +3323,7 @@
             <a:fld id="{C473AACB-D821-4991-9D88-46EB8D29E619}" type="datetimeFigureOut">
               <a:rPr lang="en-GB" smtClean="0"/>
               <a:pPr/>
-              <a:t>28/01/2025</a:t>
+              <a:t>29/01/2025</a:t>
             </a:fld>
             <a:endParaRPr lang="en-GB" dirty="0"/>
           </a:p>
@@ -3376,7 +3377,7 @@
           <p:cNvPr id="9" name="Picture 8">
             <a:extLst>
               <a:ext uri="{FF2B5EF4-FFF2-40B4-BE49-F238E27FC236}">
-                <a16:creationId xmlns:a16="http://schemas.microsoft.com/office/drawing/2014/main" xmlns="" id="{23082AB0-2BB5-46FE-9A17-15E1ACC06965}"/>
+                <a16:creationId xmlns="" xmlns:a16="http://schemas.microsoft.com/office/drawing/2014/main" id="{23082AB0-2BB5-46FE-9A17-15E1ACC06965}"/>
               </a:ext>
             </a:extLst>
           </p:cNvPr>
@@ -3435,7 +3436,7 @@
           <p:cNvPr id="8" name="Picture 7">
             <a:extLst>
               <a:ext uri="{FF2B5EF4-FFF2-40B4-BE49-F238E27FC236}">
-                <a16:creationId xmlns:a16="http://schemas.microsoft.com/office/drawing/2014/main" xmlns="" id="{1862E859-E5AF-4D76-9FC9-2355B24FF141}"/>
+                <a16:creationId xmlns="" xmlns:a16="http://schemas.microsoft.com/office/drawing/2014/main" id="{1862E859-E5AF-4D76-9FC9-2355B24FF141}"/>
               </a:ext>
             </a:extLst>
           </p:cNvPr>
@@ -3557,7 +3558,7 @@
             <a:fld id="{C473AACB-D821-4991-9D88-46EB8D29E619}" type="datetimeFigureOut">
               <a:rPr lang="en-GB" smtClean="0"/>
               <a:pPr/>
-              <a:t>28/01/2025</a:t>
+              <a:t>29/01/2025</a:t>
             </a:fld>
             <a:endParaRPr lang="en-GB" dirty="0"/>
           </a:p>
@@ -3641,7 +3642,7 @@
           <p:cNvPr id="8" name="Picture 7">
             <a:extLst>
               <a:ext uri="{FF2B5EF4-FFF2-40B4-BE49-F238E27FC236}">
-                <a16:creationId xmlns:a16="http://schemas.microsoft.com/office/drawing/2014/main" xmlns="" id="{91908D0E-7544-4687-965B-72EF64AA4C54}"/>
+                <a16:creationId xmlns="" xmlns:a16="http://schemas.microsoft.com/office/drawing/2014/main" id="{91908D0E-7544-4687-965B-72EF64AA4C54}"/>
               </a:ext>
             </a:extLst>
           </p:cNvPr>
@@ -3768,7 +3769,7 @@
             <a:fld id="{C473AACB-D821-4991-9D88-46EB8D29E619}" type="datetimeFigureOut">
               <a:rPr lang="en-GB" smtClean="0"/>
               <a:pPr/>
-              <a:t>28/01/2025</a:t>
+              <a:t>29/01/2025</a:t>
             </a:fld>
             <a:endParaRPr lang="en-GB" dirty="0"/>
           </a:p>
@@ -3852,7 +3853,7 @@
           <p:cNvPr id="8" name="Picture 7">
             <a:extLst>
               <a:ext uri="{FF2B5EF4-FFF2-40B4-BE49-F238E27FC236}">
-                <a16:creationId xmlns:a16="http://schemas.microsoft.com/office/drawing/2014/main" xmlns="" id="{5B5B8CA2-02D4-408C-B548-182D4F5F54B2}"/>
+                <a16:creationId xmlns="" xmlns:a16="http://schemas.microsoft.com/office/drawing/2014/main" id="{5B5B8CA2-02D4-408C-B548-182D4F5F54B2}"/>
               </a:ext>
             </a:extLst>
           </p:cNvPr>
@@ -3986,7 +3987,7 @@
             <a:fld id="{C473AACB-D821-4991-9D88-46EB8D29E619}" type="datetimeFigureOut">
               <a:rPr lang="en-GB" smtClean="0"/>
               <a:pPr/>
-              <a:t>28/01/2025</a:t>
+              <a:t>29/01/2025</a:t>
             </a:fld>
             <a:endParaRPr lang="en-GB" dirty="0"/>
           </a:p>
@@ -4070,7 +4071,7 @@
           <p:cNvPr id="11" name="Picture 10">
             <a:extLst>
               <a:ext uri="{FF2B5EF4-FFF2-40B4-BE49-F238E27FC236}">
-                <a16:creationId xmlns:a16="http://schemas.microsoft.com/office/drawing/2014/main" xmlns="" id="{EA8DB33B-8BF9-4C99-B31C-55246227EFDE}"/>
+                <a16:creationId xmlns="" xmlns:a16="http://schemas.microsoft.com/office/drawing/2014/main" id="{EA8DB33B-8BF9-4C99-B31C-55246227EFDE}"/>
               </a:ext>
             </a:extLst>
           </p:cNvPr>
@@ -4801,7 +4802,7 @@
             <a:fld id="{C473AACB-D821-4991-9D88-46EB8D29E619}" type="datetimeFigureOut">
               <a:rPr lang="en-GB" smtClean="0"/>
               <a:pPr/>
-              <a:t>28/01/2025</a:t>
+              <a:t>29/01/2025</a:t>
             </a:fld>
             <a:endParaRPr lang="en-GB" dirty="0"/>
           </a:p>
@@ -4885,7 +4886,7 @@
           <p:cNvPr id="11" name="Picture 10">
             <a:extLst>
               <a:ext uri="{FF2B5EF4-FFF2-40B4-BE49-F238E27FC236}">
-                <a16:creationId xmlns:a16="http://schemas.microsoft.com/office/drawing/2014/main" xmlns="" id="{EA8DB33B-8BF9-4C99-B31C-55246227EFDE}"/>
+                <a16:creationId xmlns="" xmlns:a16="http://schemas.microsoft.com/office/drawing/2014/main" id="{EA8DB33B-8BF9-4C99-B31C-55246227EFDE}"/>
               </a:ext>
             </a:extLst>
           </p:cNvPr>
@@ -5615,7 +5616,7 @@
             <a:fld id="{C473AACB-D821-4991-9D88-46EB8D29E619}" type="datetimeFigureOut">
               <a:rPr lang="en-GB" smtClean="0"/>
               <a:pPr/>
-              <a:t>28/01/2025</a:t>
+              <a:t>29/01/2025</a:t>
             </a:fld>
             <a:endParaRPr lang="en-GB" dirty="0"/>
           </a:p>
@@ -5864,7 +5865,7 @@
             <a:fld id="{C473AACB-D821-4991-9D88-46EB8D29E619}" type="datetimeFigureOut">
               <a:rPr lang="en-GB" smtClean="0"/>
               <a:pPr/>
-              <a:t>28/01/2025</a:t>
+              <a:t>29/01/2025</a:t>
             </a:fld>
             <a:endParaRPr lang="en-GB" dirty="0"/>
           </a:p>
@@ -5918,7 +5919,7 @@
           <p:cNvPr id="7" name="Picture 6">
             <a:extLst>
               <a:ext uri="{FF2B5EF4-FFF2-40B4-BE49-F238E27FC236}">
-                <a16:creationId xmlns:a16="http://schemas.microsoft.com/office/drawing/2014/main" xmlns="" id="{6331EFED-43C1-4CBA-8BE3-308E3AA13B9B}"/>
+                <a16:creationId xmlns="" xmlns:a16="http://schemas.microsoft.com/office/drawing/2014/main" id="{6331EFED-43C1-4CBA-8BE3-308E3AA13B9B}"/>
               </a:ext>
             </a:extLst>
           </p:cNvPr>
@@ -6128,7 +6129,7 @@
             <a:fld id="{C473AACB-D821-4991-9D88-46EB8D29E619}" type="datetimeFigureOut">
               <a:rPr lang="en-GB" smtClean="0"/>
               <a:pPr/>
-              <a:t>28/01/2025</a:t>
+              <a:t>29/01/2025</a:t>
             </a:fld>
             <a:endParaRPr lang="en-GB" dirty="0"/>
           </a:p>
@@ -6182,7 +6183,7 @@
           <p:cNvPr id="9" name="Picture 8">
             <a:extLst>
               <a:ext uri="{FF2B5EF4-FFF2-40B4-BE49-F238E27FC236}">
-                <a16:creationId xmlns:a16="http://schemas.microsoft.com/office/drawing/2014/main" xmlns="" id="{1034EA63-4BE3-4A73-A7E6-4A75BE4C1D48}"/>
+                <a16:creationId xmlns="" xmlns:a16="http://schemas.microsoft.com/office/drawing/2014/main" id="{1034EA63-4BE3-4A73-A7E6-4A75BE4C1D48}"/>
               </a:ext>
             </a:extLst>
           </p:cNvPr>
@@ -6241,7 +6242,7 @@
           <p:cNvPr id="10" name="Picture 9">
             <a:extLst>
               <a:ext uri="{FF2B5EF4-FFF2-40B4-BE49-F238E27FC236}">
-                <a16:creationId xmlns:a16="http://schemas.microsoft.com/office/drawing/2014/main" xmlns="" id="{204DC1E6-B5F4-4160-90F3-351FB3242E92}"/>
+                <a16:creationId xmlns="" xmlns:a16="http://schemas.microsoft.com/office/drawing/2014/main" id="{204DC1E6-B5F4-4160-90F3-351FB3242E92}"/>
               </a:ext>
             </a:extLst>
           </p:cNvPr>
@@ -6568,7 +6569,7 @@
             <a:fld id="{C473AACB-D821-4991-9D88-46EB8D29E619}" type="datetimeFigureOut">
               <a:rPr lang="en-GB" smtClean="0"/>
               <a:pPr/>
-              <a:t>28/01/2025</a:t>
+              <a:t>29/01/2025</a:t>
             </a:fld>
             <a:endParaRPr lang="en-GB" dirty="0"/>
           </a:p>
@@ -6652,7 +6653,7 @@
           <p:cNvPr id="6" name="Picture 5">
             <a:extLst>
               <a:ext uri="{FF2B5EF4-FFF2-40B4-BE49-F238E27FC236}">
-                <a16:creationId xmlns:a16="http://schemas.microsoft.com/office/drawing/2014/main" xmlns="" id="{E7897C67-3827-4595-8E3A-71E9F2EAB3AF}"/>
+                <a16:creationId xmlns="" xmlns:a16="http://schemas.microsoft.com/office/drawing/2014/main" id="{E7897C67-3827-4595-8E3A-71E9F2EAB3AF}"/>
               </a:ext>
             </a:extLst>
           </p:cNvPr>
@@ -6723,7 +6724,7 @@
             <a:fld id="{C473AACB-D821-4991-9D88-46EB8D29E619}" type="datetimeFigureOut">
               <a:rPr lang="en-GB" smtClean="0"/>
               <a:pPr/>
-              <a:t>28/01/2025</a:t>
+              <a:t>29/01/2025</a:t>
             </a:fld>
             <a:endParaRPr lang="en-GB" dirty="0"/>
           </a:p>
@@ -6820,7 +6821,7 @@
             <a:fld id="{C473AACB-D821-4991-9D88-46EB8D29E619}" type="datetimeFigureOut">
               <a:rPr lang="en-GB" smtClean="0"/>
               <a:pPr/>
-              <a:t>28/01/2025</a:t>
+              <a:t>29/01/2025</a:t>
             </a:fld>
             <a:endParaRPr lang="en-GB" dirty="0"/>
           </a:p>
@@ -6874,7 +6875,7 @@
           <p:cNvPr id="6" name="Picture 5">
             <a:extLst>
               <a:ext uri="{FF2B5EF4-FFF2-40B4-BE49-F238E27FC236}">
-                <a16:creationId xmlns:a16="http://schemas.microsoft.com/office/drawing/2014/main" xmlns="" id="{F1825398-026A-4668-BB48-C16AD1C9062B}"/>
+                <a16:creationId xmlns="" xmlns:a16="http://schemas.microsoft.com/office/drawing/2014/main" id="{F1825398-026A-4668-BB48-C16AD1C9062B}"/>
               </a:ext>
             </a:extLst>
           </p:cNvPr>
@@ -7597,7 +7598,7 @@
             <a:fld id="{C473AACB-D821-4991-9D88-46EB8D29E619}" type="datetimeFigureOut">
               <a:rPr lang="en-GB" smtClean="0"/>
               <a:pPr/>
-              <a:t>28/01/2025</a:t>
+              <a:t>29/01/2025</a:t>
             </a:fld>
             <a:endParaRPr lang="en-GB" dirty="0"/>
           </a:p>
@@ -8242,7 +8243,7 @@
             <a:pPr algn="l"/>
             <a:r>
               <a:rPr lang="en-GB" dirty="0" smtClean="0"/>
-              <a:t>Summary</a:t>
+              <a:t>Resources</a:t>
             </a:r>
             <a:endParaRPr lang="en-GB" dirty="0"/>
           </a:p>
@@ -8258,100 +8259,79 @@
             <p:ph idx="1"/>
           </p:nvPr>
         </p:nvSpPr>
-        <p:spPr/>
+        <p:spPr>
+          <a:xfrm>
+            <a:off x="508001" y="1707654"/>
+            <a:ext cx="7736407" cy="2744167"/>
+          </a:xfrm>
+          <a:solidFill>
+            <a:schemeClr val="bg1"/>
+          </a:solidFill>
+        </p:spPr>
         <p:txBody>
           <a:bodyPr>
-            <a:normAutofit lnSpcReduction="10000"/>
+            <a:normAutofit/>
           </a:bodyPr>
           <a:lstStyle/>
           <a:p>
             <a:r>
               <a:rPr lang="en-GB" dirty="0" smtClean="0"/>
-              <a:t>GCBASIC supports the </a:t>
-            </a:r>
-            <a:r>
-              <a:rPr lang="en-GB" dirty="0" smtClean="0"/>
-              <a:t>PIC16F Legacy</a:t>
-            </a:r>
-            <a:endParaRPr lang="en-GB" dirty="0" smtClean="0"/>
-          </a:p>
-          <a:p>
-            <a:endParaRPr lang="en-GB" dirty="0" smtClean="0"/>
-          </a:p>
-          <a:p>
-            <a:pPr lvl="1"/>
-            <a:r>
-              <a:rPr lang="en-GB" dirty="0" smtClean="0"/>
-              <a:t>Digital and </a:t>
-            </a:r>
-            <a:r>
-              <a:rPr lang="en-GB" dirty="0" err="1" smtClean="0"/>
-              <a:t>Analog</a:t>
-            </a:r>
-            <a:r>
-              <a:rPr lang="en-GB" dirty="0" smtClean="0"/>
-              <a:t> peripherals </a:t>
-            </a:r>
-          </a:p>
-          <a:p>
-            <a:pPr lvl="1"/>
-            <a:r>
-              <a:rPr lang="en-GB" dirty="0" smtClean="0"/>
-              <a:t>8 &amp; 10 </a:t>
-            </a:r>
-            <a:r>
-              <a:rPr lang="en-GB" dirty="0" smtClean="0"/>
-              <a:t>-bit </a:t>
-            </a:r>
-            <a:r>
-              <a:rPr lang="en-GB" dirty="0" smtClean="0"/>
-              <a:t>ADC</a:t>
-            </a:r>
-          </a:p>
-          <a:p>
-            <a:pPr lvl="1"/>
-            <a:r>
-              <a:rPr lang="en-GB" dirty="0" smtClean="0"/>
-              <a:t>Multiple communication interfaces</a:t>
-            </a:r>
-          </a:p>
-          <a:p>
-            <a:pPr lvl="2"/>
-            <a:r>
-              <a:rPr lang="en-GB" dirty="0" smtClean="0"/>
-              <a:t>Serial, I2C, SPI</a:t>
-            </a:r>
-          </a:p>
-          <a:p>
-            <a:pPr lvl="1"/>
-            <a:r>
-              <a:rPr lang="en-GB" dirty="0" smtClean="0"/>
-              <a:t>PWM – </a:t>
-            </a:r>
-            <a:r>
-              <a:rPr lang="en-GB" dirty="0" smtClean="0"/>
-              <a:t>CCP/PWM</a:t>
-            </a:r>
-            <a:endParaRPr lang="en-GB" dirty="0" smtClean="0"/>
-          </a:p>
-          <a:p>
-            <a:endParaRPr lang="en-GB" dirty="0" smtClean="0"/>
-          </a:p>
-          <a:p>
-            <a:r>
-              <a:rPr lang="en-GB" dirty="0" smtClean="0"/>
-              <a:t>GCBASIC supports multiple 32/64 bit operating  systems and integrates with MPLAB-X</a:t>
-            </a:r>
-          </a:p>
-          <a:p>
-            <a:endParaRPr lang="en-GB" dirty="0"/>
+              <a:t>Tutorial source code</a:t>
+            </a:r>
+          </a:p>
+          <a:p>
+            <a:pPr lvl="1">
+              <a:buNone/>
+            </a:pPr>
+            <a:r>
+              <a:rPr lang="en-GB" sz="900" u="sng" dirty="0">
+                <a:solidFill>
+                  <a:schemeClr val="tx2"/>
+                </a:solidFill>
+                <a:hlinkClick r:id="rId2"/>
+              </a:rPr>
+              <a:t>https://github.com/GreatCowBASIC/Demonstration_Sources/tree/main/Vendor_Boards/Microchip_PICDEM%202%20plus_board_2010</a:t>
+            </a:r>
+            <a:endParaRPr lang="en-GB" sz="900" u="sng" dirty="0">
+              <a:solidFill>
+                <a:schemeClr val="tx2"/>
+              </a:solidFill>
+            </a:endParaRPr>
+          </a:p>
+          <a:p>
+            <a:pPr marL="257175" lvl="1" indent="-257175"/>
+            <a:endParaRPr lang="en-GB" sz="1400" dirty="0" smtClean="0"/>
+          </a:p>
+          <a:p>
+            <a:pPr marL="257175" lvl="1" indent="-257175"/>
+            <a:r>
+              <a:rPr lang="en-GB" sz="1400" dirty="0" smtClean="0"/>
+              <a:t>Tutorial </a:t>
+            </a:r>
+            <a:r>
+              <a:rPr lang="en-GB" sz="1400" dirty="0"/>
+              <a:t>presentations</a:t>
+            </a:r>
+          </a:p>
+          <a:p>
+            <a:pPr lvl="1">
+              <a:buNone/>
+            </a:pPr>
+            <a:r>
+              <a:rPr lang="en-GB" sz="900" u="sng" dirty="0">
+                <a:solidFill>
+                  <a:schemeClr val="tx2"/>
+                </a:solidFill>
+              </a:rPr>
+              <a:t>https://github.com/GreatCowBASIC/Demonstration_Sources/tree/main/Vendor_Boards/Microchip_PICDEM%202%20plus_board_2010/tutorials</a:t>
+            </a:r>
           </a:p>
         </p:txBody>
       </p:sp>
     </p:spTree>
     <p:extLst>
       <p:ext uri="{BB962C8B-B14F-4D97-AF65-F5344CB8AC3E}">
-        <p14:creationId xmlns:p14="http://schemas.microsoft.com/office/powerpoint/2010/main" val="2558556418"/>
+        <p14:creationId xmlns:p14="http://schemas.microsoft.com/office/powerpoint/2010/main" val="3973853613"/>
       </p:ext>
     </p:extLst>
   </p:cSld>
@@ -8395,6 +8375,157 @@
       </p:grpSpPr>
       <p:sp>
         <p:nvSpPr>
+          <p:cNvPr id="2" name="Title 1"/>
+          <p:cNvSpPr>
+            <a:spLocks noGrp="1"/>
+          </p:cNvSpPr>
+          <p:nvPr>
+            <p:ph type="title"/>
+          </p:nvPr>
+        </p:nvSpPr>
+        <p:spPr/>
+        <p:txBody>
+          <a:bodyPr/>
+          <a:lstStyle/>
+          <a:p>
+            <a:pPr algn="l"/>
+            <a:r>
+              <a:rPr lang="en-GB" dirty="0" smtClean="0"/>
+              <a:t>Summary</a:t>
+            </a:r>
+            <a:endParaRPr lang="en-GB" dirty="0"/>
+          </a:p>
+        </p:txBody>
+      </p:sp>
+      <p:sp>
+        <p:nvSpPr>
+          <p:cNvPr id="3" name="Content Placeholder 2"/>
+          <p:cNvSpPr>
+            <a:spLocks noGrp="1"/>
+          </p:cNvSpPr>
+          <p:nvPr>
+            <p:ph idx="1"/>
+          </p:nvPr>
+        </p:nvSpPr>
+        <p:spPr/>
+        <p:txBody>
+          <a:bodyPr>
+            <a:normAutofit lnSpcReduction="10000"/>
+          </a:bodyPr>
+          <a:lstStyle/>
+          <a:p>
+            <a:r>
+              <a:rPr lang="en-GB" dirty="0" smtClean="0"/>
+              <a:t>GCBASIC supports the PIC16F Legacy</a:t>
+            </a:r>
+          </a:p>
+          <a:p>
+            <a:endParaRPr lang="en-GB" dirty="0" smtClean="0"/>
+          </a:p>
+          <a:p>
+            <a:pPr lvl="1"/>
+            <a:r>
+              <a:rPr lang="en-GB" dirty="0" smtClean="0"/>
+              <a:t>Digital and </a:t>
+            </a:r>
+            <a:r>
+              <a:rPr lang="en-GB" dirty="0" err="1" smtClean="0"/>
+              <a:t>Analog</a:t>
+            </a:r>
+            <a:r>
+              <a:rPr lang="en-GB" dirty="0" smtClean="0"/>
+              <a:t> peripherals </a:t>
+            </a:r>
+          </a:p>
+          <a:p>
+            <a:pPr lvl="1"/>
+            <a:r>
+              <a:rPr lang="en-GB" dirty="0" smtClean="0"/>
+              <a:t>8 &amp; 10 -bit ADC</a:t>
+            </a:r>
+          </a:p>
+          <a:p>
+            <a:pPr lvl="1"/>
+            <a:r>
+              <a:rPr lang="en-GB" dirty="0" smtClean="0"/>
+              <a:t>Multiple communication interfaces</a:t>
+            </a:r>
+          </a:p>
+          <a:p>
+            <a:pPr lvl="2"/>
+            <a:r>
+              <a:rPr lang="en-GB" dirty="0" smtClean="0"/>
+              <a:t>Serial, I2C, SPI</a:t>
+            </a:r>
+          </a:p>
+          <a:p>
+            <a:pPr lvl="1"/>
+            <a:r>
+              <a:rPr lang="en-GB" dirty="0" smtClean="0"/>
+              <a:t>PWM – CCP/PWM</a:t>
+            </a:r>
+          </a:p>
+          <a:p>
+            <a:endParaRPr lang="en-GB" dirty="0" smtClean="0"/>
+          </a:p>
+          <a:p>
+            <a:r>
+              <a:rPr lang="en-GB" dirty="0" smtClean="0"/>
+              <a:t>GCBASIC supports multiple 32/64 bit operating  systems and integrates with MPLAB-X</a:t>
+            </a:r>
+          </a:p>
+          <a:p>
+            <a:endParaRPr lang="en-GB" dirty="0"/>
+          </a:p>
+        </p:txBody>
+      </p:sp>
+    </p:spTree>
+    <p:extLst>
+      <p:ext uri="{BB962C8B-B14F-4D97-AF65-F5344CB8AC3E}">
+        <p14:creationId xmlns:p14="http://schemas.microsoft.com/office/powerpoint/2010/main" val="2558556418"/>
+      </p:ext>
+    </p:extLst>
+  </p:cSld>
+  <p:clrMapOvr>
+    <a:masterClrMapping/>
+  </p:clrMapOvr>
+  <mc:AlternateContent xmlns:mc="http://schemas.openxmlformats.org/markup-compatibility/2006" xmlns:p14="http://schemas.microsoft.com/office/powerpoint/2010/main">
+    <mc:Choice Requires="p14">
+      <p:transition spd="slow" p14:dur="2000" advClick="0"/>
+    </mc:Choice>
+    <mc:Fallback xmlns="">
+      <p:transition spd="slow" advClick="0"/>
+    </mc:Fallback>
+  </mc:AlternateContent>
+  <p:timing>
+    <p:tnLst>
+      <p:par>
+        <p:cTn id="1" dur="indefinite" restart="never" nodeType="tmRoot"/>
+      </p:par>
+    </p:tnLst>
+  </p:timing>
+</p:sld>
+</file>
+
+<file path=ppt/slides/slide12.xml><?xml version="1.0" encoding="utf-8"?>
+<p:sld xmlns:a="http://schemas.openxmlformats.org/drawingml/2006/main" xmlns:r="http://schemas.openxmlformats.org/officeDocument/2006/relationships" xmlns:p="http://schemas.openxmlformats.org/presentationml/2006/main">
+  <p:cSld>
+    <p:spTree>
+      <p:nvGrpSpPr>
+        <p:cNvPr id="1" name=""/>
+        <p:cNvGrpSpPr/>
+        <p:nvPr/>
+      </p:nvGrpSpPr>
+      <p:grpSpPr>
+        <a:xfrm>
+          <a:off x="0" y="0"/>
+          <a:ext cx="0" cy="0"/>
+          <a:chOff x="0" y="0"/>
+          <a:chExt cx="0" cy="0"/>
+        </a:xfrm>
+      </p:grpSpPr>
+      <p:sp>
+        <p:nvSpPr>
           <p:cNvPr id="4" name="Title 3"/>
           <p:cNvSpPr>
             <a:spLocks noGrp="1"/>
@@ -8559,11 +8690,7 @@
           <a:p>
             <a:r>
               <a:rPr lang="en-GB" sz="1700" dirty="0" smtClean="0"/>
-              <a:t>January </a:t>
-            </a:r>
-            <a:r>
-              <a:rPr lang="en-GB" sz="1700" dirty="0" smtClean="0"/>
-              <a:t>2025</a:t>
+              <a:t>January 2025</a:t>
             </a:r>
             <a:endParaRPr lang="en-GB" sz="1700" dirty="0"/>
           </a:p>
@@ -8988,11 +9115,11 @@
   <p:clrMapOvr>
     <a:masterClrMapping/>
   </p:clrMapOvr>
-  <mc:AlternateContent xmlns:mc="http://schemas.openxmlformats.org/markup-compatibility/2006">
-    <mc:Choice xmlns:p14="http://schemas.microsoft.com/office/powerpoint/2010/main" Requires="p14">
+  <mc:AlternateContent xmlns:mc="http://schemas.openxmlformats.org/markup-compatibility/2006" xmlns:p14="http://schemas.microsoft.com/office/powerpoint/2010/main">
+    <mc:Choice Requires="p14">
       <p:transition spd="slow" p14:dur="2000"/>
     </mc:Choice>
-    <mc:Fallback>
+    <mc:Fallback xmlns="">
       <p:transition spd="slow"/>
     </mc:Fallback>
   </mc:AlternateContent>
@@ -9033,12 +9160,7 @@
             <p:ph type="title"/>
           </p:nvPr>
         </p:nvSpPr>
-        <p:spPr>
-          <a:xfrm>
-            <a:off x="611560" y="260423"/>
-            <a:ext cx="8229601" cy="857250"/>
-          </a:xfrm>
-        </p:spPr>
+        <p:spPr/>
         <p:txBody>
           <a:bodyPr>
             <a:normAutofit/>
@@ -9055,531 +9177,461 @@
       </p:sp>
       <p:sp>
         <p:nvSpPr>
-          <p:cNvPr id="5" name="Content Placeholder 2"/>
-          <p:cNvSpPr txBox="1">
-            <a:spLocks/>
-          </p:cNvSpPr>
-          <p:nvPr/>
-        </p:nvSpPr>
-        <p:spPr>
-          <a:xfrm>
-            <a:off x="467543" y="689048"/>
-            <a:ext cx="5760641" cy="4186957"/>
-          </a:xfrm>
-          <a:prstGeom prst="rect">
-            <a:avLst/>
-          </a:prstGeom>
+          <p:cNvPr id="3" name="Content Placeholder 2"/>
+          <p:cNvSpPr>
+            <a:spLocks noGrp="1"/>
+          </p:cNvSpPr>
+          <p:nvPr>
+            <p:ph idx="1"/>
+          </p:nvPr>
+        </p:nvSpPr>
+        <p:spPr>
+          <a:xfrm>
+            <a:off x="467544" y="987574"/>
+            <a:ext cx="6447501" cy="4111476"/>
+          </a:xfrm>
           <a:solidFill>
             <a:schemeClr val="bg1"/>
           </a:solidFill>
         </p:spPr>
         <p:txBody>
-          <a:bodyPr vert="horz" lIns="85064" tIns="42531" rIns="85064" bIns="42531" rtlCol="0">
+          <a:bodyPr>
             <a:noAutofit/>
           </a:bodyPr>
-          <a:lstStyle>
-            <a:lvl1pPr marL="318988" indent="-318988" algn="l" defTabSz="850636" rtl="0" eaLnBrk="1" latinLnBrk="0" hangingPunct="1">
+          <a:lstStyle/>
+          <a:p>
+            <a:pPr marL="180000" indent="-478483">
               <a:spcBef>
-                <a:spcPct val="20000"/>
+                <a:spcPts val="300"/>
               </a:spcBef>
-              <a:buFont typeface="Arial" pitchFamily="34" charset="0"/>
-              <a:buChar char="•"/>
-              <a:defRPr sz="3000" kern="1200">
-                <a:solidFill>
-                  <a:schemeClr val="tx1"/>
-                </a:solidFill>
-                <a:latin typeface="+mn-lt"/>
-                <a:ea typeface="+mn-ea"/>
-                <a:cs typeface="+mn-cs"/>
-              </a:defRPr>
-            </a:lvl1pPr>
-            <a:lvl2pPr marL="691142" indent="-265824" algn="l" defTabSz="850636" rtl="0" eaLnBrk="1" latinLnBrk="0" hangingPunct="1">
-              <a:spcBef>
-                <a:spcPct val="20000"/>
-              </a:spcBef>
-              <a:buFont typeface="Arial" pitchFamily="34" charset="0"/>
-              <a:buChar char="–"/>
-              <a:defRPr sz="2600" kern="1200">
-                <a:solidFill>
-                  <a:schemeClr val="tx1"/>
-                </a:solidFill>
-                <a:latin typeface="+mn-lt"/>
-                <a:ea typeface="+mn-ea"/>
-                <a:cs typeface="+mn-cs"/>
-              </a:defRPr>
-            </a:lvl2pPr>
-            <a:lvl3pPr marL="1063295" indent="-212659" algn="l" defTabSz="850636" rtl="0" eaLnBrk="1" latinLnBrk="0" hangingPunct="1">
-              <a:spcBef>
-                <a:spcPct val="20000"/>
-              </a:spcBef>
-              <a:buFont typeface="Arial" pitchFamily="34" charset="0"/>
-              <a:buChar char="•"/>
-              <a:defRPr sz="2200" kern="1200">
-                <a:solidFill>
-                  <a:schemeClr val="tx1"/>
-                </a:solidFill>
-                <a:latin typeface="+mn-lt"/>
-                <a:ea typeface="+mn-ea"/>
-                <a:cs typeface="+mn-cs"/>
-              </a:defRPr>
-            </a:lvl3pPr>
-            <a:lvl4pPr marL="1488614" indent="-212659" algn="l" defTabSz="850636" rtl="0" eaLnBrk="1" latinLnBrk="0" hangingPunct="1">
-              <a:spcBef>
-                <a:spcPct val="20000"/>
-              </a:spcBef>
-              <a:buFont typeface="Arial" pitchFamily="34" charset="0"/>
-              <a:buChar char="–"/>
-              <a:defRPr sz="1900" kern="1200">
-                <a:solidFill>
-                  <a:schemeClr val="tx1"/>
-                </a:solidFill>
-                <a:latin typeface="+mn-lt"/>
-                <a:ea typeface="+mn-ea"/>
-                <a:cs typeface="+mn-cs"/>
-              </a:defRPr>
-            </a:lvl4pPr>
-            <a:lvl5pPr marL="1913932" indent="-212659" algn="l" defTabSz="850636" rtl="0" eaLnBrk="1" latinLnBrk="0" hangingPunct="1">
-              <a:spcBef>
-                <a:spcPct val="20000"/>
-              </a:spcBef>
-              <a:buFont typeface="Arial" pitchFamily="34" charset="0"/>
-              <a:buChar char="»"/>
-              <a:defRPr sz="1900" kern="1200">
-                <a:solidFill>
-                  <a:schemeClr val="tx1"/>
-                </a:solidFill>
-                <a:latin typeface="+mn-lt"/>
-                <a:ea typeface="+mn-ea"/>
-                <a:cs typeface="+mn-cs"/>
-              </a:defRPr>
-            </a:lvl5pPr>
-            <a:lvl6pPr marL="2339250" indent="-212659" algn="l" defTabSz="850636" rtl="0" eaLnBrk="1" latinLnBrk="0" hangingPunct="1">
-              <a:spcBef>
-                <a:spcPct val="20000"/>
-              </a:spcBef>
-              <a:buFont typeface="Arial" pitchFamily="34" charset="0"/>
-              <a:buChar char="•"/>
-              <a:defRPr sz="1900" kern="1200">
-                <a:solidFill>
-                  <a:schemeClr val="tx1"/>
-                </a:solidFill>
-                <a:latin typeface="+mn-lt"/>
-                <a:ea typeface="+mn-ea"/>
-                <a:cs typeface="+mn-cs"/>
-              </a:defRPr>
-            </a:lvl6pPr>
-            <a:lvl7pPr marL="2764568" indent="-212659" algn="l" defTabSz="850636" rtl="0" eaLnBrk="1" latinLnBrk="0" hangingPunct="1">
-              <a:spcBef>
-                <a:spcPct val="20000"/>
-              </a:spcBef>
-              <a:buFont typeface="Arial" pitchFamily="34" charset="0"/>
-              <a:buChar char="•"/>
-              <a:defRPr sz="1900" kern="1200">
-                <a:solidFill>
-                  <a:schemeClr val="tx1"/>
-                </a:solidFill>
-                <a:latin typeface="+mn-lt"/>
-                <a:ea typeface="+mn-ea"/>
-                <a:cs typeface="+mn-cs"/>
-              </a:defRPr>
-            </a:lvl7pPr>
-            <a:lvl8pPr marL="3189887" indent="-212659" algn="l" defTabSz="850636" rtl="0" eaLnBrk="1" latinLnBrk="0" hangingPunct="1">
-              <a:spcBef>
-                <a:spcPct val="20000"/>
-              </a:spcBef>
-              <a:buFont typeface="Arial" pitchFamily="34" charset="0"/>
-              <a:buChar char="•"/>
-              <a:defRPr sz="1900" kern="1200">
-                <a:solidFill>
-                  <a:schemeClr val="tx1"/>
-                </a:solidFill>
-                <a:latin typeface="+mn-lt"/>
-                <a:ea typeface="+mn-ea"/>
-                <a:cs typeface="+mn-cs"/>
-              </a:defRPr>
-            </a:lvl8pPr>
-            <a:lvl9pPr marL="3615205" indent="-212659" algn="l" defTabSz="850636" rtl="0" eaLnBrk="1" latinLnBrk="0" hangingPunct="1">
-              <a:spcBef>
-                <a:spcPct val="20000"/>
-              </a:spcBef>
-              <a:buFont typeface="Arial" pitchFamily="34" charset="0"/>
-              <a:buChar char="•"/>
-              <a:defRPr sz="1900" kern="1200">
-                <a:solidFill>
-                  <a:schemeClr val="tx1"/>
-                </a:solidFill>
-                <a:latin typeface="+mn-lt"/>
-                <a:ea typeface="+mn-ea"/>
-                <a:cs typeface="+mn-cs"/>
-              </a:defRPr>
-            </a:lvl9pPr>
-          </a:lstStyle>
-          <a:p>
-            <a:pPr marL="478483" indent="-478483">
               <a:buFont typeface="+mj-lt"/>
               <a:buAutoNum type="arabicPeriod"/>
             </a:pPr>
             <a:r>
+              <a:rPr lang="en-GB" sz="1100" dirty="0"/>
+              <a:t>Install the hardware and make the </a:t>
+            </a:r>
+            <a:r>
+              <a:rPr lang="en-GB" sz="1100" b="1" dirty="0"/>
+              <a:t>board</a:t>
+            </a:r>
+            <a:r>
+              <a:rPr lang="en-GB" sz="1100" dirty="0"/>
+              <a:t> work </a:t>
+            </a:r>
+            <a:r>
               <a:rPr lang="en-GB" sz="1100" dirty="0" smtClean="0"/>
-              <a:t>Install the </a:t>
-            </a:r>
-            <a:r>
-              <a:rPr lang="en-GB" sz="1100" b="1" dirty="0" smtClean="0"/>
-              <a:t>hardware</a:t>
-            </a:r>
-            <a:r>
-              <a:rPr lang="en-GB" sz="1100" dirty="0" smtClean="0"/>
-              <a:t> and make the board work – three </a:t>
-            </a:r>
-            <a:r>
-              <a:rPr lang="en-GB" sz="1100" b="1" dirty="0" smtClean="0"/>
-              <a:t>LED</a:t>
-            </a:r>
-            <a:r>
-              <a:rPr lang="en-GB" sz="1100" dirty="0" smtClean="0"/>
-              <a:t> programs</a:t>
-            </a:r>
-          </a:p>
-          <a:p>
-            <a:pPr marL="478483" indent="-478483">
+              <a:t>– make LEDs work</a:t>
+            </a:r>
+            <a:endParaRPr lang="en-GB" sz="1100" b="1" dirty="0"/>
+          </a:p>
+          <a:p>
+            <a:pPr marL="180000" indent="-478483">
+              <a:spcBef>
+                <a:spcPts val="300"/>
+              </a:spcBef>
               <a:buFont typeface="+mj-lt"/>
               <a:buAutoNum type="arabicPeriod"/>
             </a:pPr>
             <a:r>
-              <a:rPr lang="en-GB" sz="1100" dirty="0" smtClean="0"/>
-              <a:t>Make  four LEDs </a:t>
-            </a:r>
-            <a:r>
-              <a:rPr lang="en-GB" sz="1100" b="1" dirty="0" smtClean="0"/>
-              <a:t>flash</a:t>
-            </a:r>
-            <a:r>
-              <a:rPr lang="en-GB" sz="1100" dirty="0" smtClean="0"/>
-              <a:t> in a sequence</a:t>
-            </a:r>
-          </a:p>
-          <a:p>
-            <a:pPr marL="478483" indent="-478483">
+              <a:rPr lang="en-GB" sz="1100" dirty="0"/>
+              <a:t>Make  four </a:t>
+            </a:r>
+            <a:r>
+              <a:rPr lang="en-GB" sz="1100" b="1" dirty="0"/>
+              <a:t>LEDs</a:t>
+            </a:r>
+            <a:r>
+              <a:rPr lang="en-GB" sz="1100" dirty="0"/>
+              <a:t> flash in a sequence</a:t>
+            </a:r>
+          </a:p>
+          <a:p>
+            <a:pPr marL="180000" indent="-478483">
+              <a:spcBef>
+                <a:spcPts val="300"/>
+              </a:spcBef>
               <a:buFont typeface="+mj-lt"/>
               <a:buAutoNum type="arabicPeriod"/>
             </a:pPr>
             <a:r>
-              <a:rPr lang="en-GB" sz="1100" dirty="0" smtClean="0"/>
+              <a:rPr lang="en-GB" sz="1100" dirty="0"/>
               <a:t>Set the LEDs to represent the value of </a:t>
             </a:r>
             <a:r>
-              <a:rPr lang="en-GB" sz="1100" b="1" dirty="0" smtClean="0"/>
+              <a:rPr lang="en-GB" sz="1100" b="1" dirty="0"/>
               <a:t>ADC</a:t>
             </a:r>
           </a:p>
           <a:p>
-            <a:pPr marL="478483" indent="-478483">
+            <a:pPr marL="180000" indent="-478483">
+              <a:spcBef>
+                <a:spcPts val="300"/>
+              </a:spcBef>
               <a:buFont typeface="+mj-lt"/>
               <a:buAutoNum type="arabicPeriod"/>
             </a:pPr>
             <a:r>
-              <a:rPr lang="en-GB" sz="1100" dirty="0" smtClean="0"/>
+              <a:rPr lang="en-GB" sz="1100" dirty="0"/>
               <a:t>Sequence the LEDs with a </a:t>
             </a:r>
             <a:r>
-              <a:rPr lang="en-GB" sz="1100" b="1" dirty="0" smtClean="0"/>
+              <a:rPr lang="en-GB" sz="1100" b="1" dirty="0"/>
               <a:t>delay</a:t>
             </a:r>
             <a:r>
-              <a:rPr lang="en-GB" sz="1100" dirty="0" smtClean="0"/>
+              <a:rPr lang="en-GB" sz="1100" dirty="0"/>
               <a:t> using the value of ADC</a:t>
             </a:r>
           </a:p>
           <a:p>
-            <a:pPr marL="478483" indent="-478483">
+            <a:pPr marL="180000" indent="-478483">
+              <a:spcBef>
+                <a:spcPts val="300"/>
+              </a:spcBef>
               <a:buFont typeface="+mj-lt"/>
               <a:buAutoNum type="arabicPeriod"/>
             </a:pPr>
             <a:r>
-              <a:rPr lang="en-GB" sz="1100" dirty="0" smtClean="0"/>
+              <a:rPr lang="en-GB" sz="1100" dirty="0"/>
               <a:t>Using an </a:t>
             </a:r>
             <a:r>
-              <a:rPr lang="en-GB" sz="1100" b="1" dirty="0" smtClean="0"/>
+              <a:rPr lang="en-GB" sz="1100" b="1" dirty="0"/>
               <a:t>input</a:t>
             </a:r>
             <a:r>
-              <a:rPr lang="en-GB" sz="1100" dirty="0" smtClean="0"/>
+              <a:rPr lang="en-GB" sz="1100" dirty="0"/>
               <a:t> to set the state of the LEDs</a:t>
             </a:r>
           </a:p>
           <a:p>
-            <a:pPr marL="478483" indent="-478483">
+            <a:pPr marL="180000" indent="-478483">
+              <a:spcBef>
+                <a:spcPts val="300"/>
+              </a:spcBef>
               <a:buFont typeface="+mj-lt"/>
               <a:buAutoNum type="arabicPeriod"/>
             </a:pPr>
             <a:r>
-              <a:rPr lang="en-GB" sz="1100" dirty="0" smtClean="0"/>
+              <a:rPr lang="en-GB" sz="1100" dirty="0"/>
               <a:t>Using the </a:t>
             </a:r>
             <a:r>
-              <a:rPr lang="en-GB" sz="1100" b="1" dirty="0" smtClean="0"/>
+              <a:rPr lang="en-GB" sz="1100" b="1" dirty="0"/>
               <a:t>reset</a:t>
             </a:r>
             <a:r>
-              <a:rPr lang="en-GB" sz="1100" dirty="0" smtClean="0"/>
+              <a:rPr lang="en-GB" sz="1100" dirty="0"/>
               <a:t> switch</a:t>
             </a:r>
           </a:p>
           <a:p>
-            <a:pPr marL="478483" indent="-478483">
+            <a:pPr marL="180000" indent="-478483">
+              <a:spcBef>
+                <a:spcPts val="300"/>
+              </a:spcBef>
               <a:buFont typeface="+mj-lt"/>
               <a:buAutoNum type="arabicPeriod"/>
             </a:pPr>
             <a:r>
-              <a:rPr lang="en-GB" sz="1100" dirty="0" smtClean="0"/>
-              <a:t>Using the switch, ADC – make the LEDs flash in a sequence with reverse</a:t>
-            </a:r>
-          </a:p>
-          <a:p>
-            <a:pPr marL="478483" indent="-478483">
+              <a:rPr lang="en-GB" sz="1100" dirty="0"/>
+              <a:t>Using the </a:t>
+            </a:r>
+            <a:r>
+              <a:rPr lang="en-GB" sz="1100" b="1" dirty="0"/>
+              <a:t>switch, ADC </a:t>
+            </a:r>
+            <a:r>
+              <a:rPr lang="en-GB" sz="1100" dirty="0"/>
+              <a:t>– make the </a:t>
+            </a:r>
+            <a:r>
+              <a:rPr lang="en-GB" sz="1100" b="1" dirty="0"/>
+              <a:t>LEDs</a:t>
+            </a:r>
+            <a:r>
+              <a:rPr lang="en-GB" sz="1100" dirty="0"/>
+              <a:t> flash in a sequence with reverse</a:t>
+            </a:r>
+          </a:p>
+          <a:p>
+            <a:pPr marL="180000" indent="-478483">
+              <a:spcBef>
+                <a:spcPts val="300"/>
+              </a:spcBef>
               <a:buFont typeface="+mj-lt"/>
               <a:buAutoNum type="arabicPeriod"/>
             </a:pPr>
             <a:r>
-              <a:rPr lang="en-GB" sz="1100" dirty="0" smtClean="0"/>
+              <a:rPr lang="en-GB" sz="1100" dirty="0"/>
               <a:t>Using the </a:t>
             </a:r>
             <a:r>
-              <a:rPr lang="en-GB" sz="1100" b="1" dirty="0" smtClean="0"/>
+              <a:rPr lang="en-GB" sz="1100" b="1" dirty="0"/>
               <a:t>serial</a:t>
             </a:r>
             <a:r>
-              <a:rPr lang="en-GB" sz="1100" dirty="0" smtClean="0"/>
+              <a:rPr lang="en-GB" sz="1100" dirty="0"/>
               <a:t> to display values</a:t>
             </a:r>
           </a:p>
           <a:p>
-            <a:pPr marL="478483" indent="-478483">
+            <a:pPr marL="180000" indent="-478483">
+              <a:spcBef>
+                <a:spcPts val="300"/>
+              </a:spcBef>
               <a:buFont typeface="+mj-lt"/>
               <a:buAutoNum type="arabicPeriod"/>
             </a:pPr>
             <a:r>
-              <a:rPr lang="en-GB" sz="1100" dirty="0" smtClean="0"/>
+              <a:rPr lang="en-GB" sz="1100" dirty="0"/>
               <a:t>Using the </a:t>
             </a:r>
             <a:r>
-              <a:rPr lang="en-GB" sz="1100" b="1" dirty="0" smtClean="0"/>
-              <a:t>timer0</a:t>
-            </a:r>
-            <a:r>
-              <a:rPr lang="en-GB" sz="1100" dirty="0" smtClean="0"/>
-              <a:t> overflow, </a:t>
-            </a:r>
-            <a:r>
-              <a:rPr lang="en-GB" sz="1100" b="1" dirty="0" smtClean="0"/>
-              <a:t>8bit timer</a:t>
-            </a:r>
-            <a:r>
-              <a:rPr lang="en-GB" sz="1100" dirty="0" smtClean="0"/>
-              <a:t>, </a:t>
-            </a:r>
-            <a:r>
-              <a:rPr lang="en-GB" sz="1100" b="1" dirty="0" smtClean="0"/>
-              <a:t>16bit timer</a:t>
-            </a:r>
-            <a:r>
-              <a:rPr lang="en-GB" sz="1100" dirty="0" smtClean="0"/>
-              <a:t> to flash the LEDs</a:t>
-            </a:r>
-          </a:p>
-          <a:p>
-            <a:pPr marL="478483" indent="-478483">
+              <a:rPr lang="en-GB" sz="1100" b="1" dirty="0"/>
+              <a:t>timer0 overflow, 8bit timer, 16bit timer </a:t>
+            </a:r>
+            <a:r>
+              <a:rPr lang="en-GB" sz="1100" dirty="0"/>
+              <a:t>to flash the LEDs</a:t>
+            </a:r>
+          </a:p>
+          <a:p>
+            <a:pPr marL="180000" indent="-478483">
+              <a:spcBef>
+                <a:spcPts val="300"/>
+              </a:spcBef>
               <a:buFont typeface="+mj-lt"/>
               <a:buAutoNum type="arabicPeriod"/>
             </a:pPr>
             <a:r>
-              <a:rPr lang="en-GB" sz="1100" dirty="0" smtClean="0"/>
+              <a:rPr lang="en-GB" sz="1100" dirty="0"/>
               <a:t>Using </a:t>
             </a:r>
             <a:r>
-              <a:rPr lang="en-GB" sz="1100" b="1" dirty="0" err="1" smtClean="0"/>
+              <a:rPr lang="en-GB" sz="1100" b="1" dirty="0" err="1"/>
               <a:t>EEProm</a:t>
             </a:r>
             <a:r>
-              <a:rPr lang="en-GB" sz="1100" dirty="0" smtClean="0"/>
+              <a:rPr lang="en-GB" sz="1100" dirty="0"/>
               <a:t> – showing values on the serial terminal, and more constants insights</a:t>
             </a:r>
           </a:p>
           <a:p>
-            <a:pPr marL="478483" indent="-478483">
+            <a:pPr marL="180000" indent="-478483">
+              <a:spcBef>
+                <a:spcPts val="300"/>
+              </a:spcBef>
               <a:buFont typeface="+mj-lt"/>
               <a:buAutoNum type="arabicPeriod"/>
             </a:pPr>
             <a:r>
-              <a:rPr lang="en-GB" sz="1100" dirty="0" smtClean="0"/>
-              <a:t>Using </a:t>
-            </a:r>
-            <a:r>
-              <a:rPr lang="en-GB" sz="1100" b="1" dirty="0" smtClean="0"/>
-              <a:t>I2C</a:t>
-            </a:r>
-            <a:r>
-              <a:rPr lang="en-GB" sz="1100" dirty="0" smtClean="0"/>
-              <a:t> with serial to discover I2C devices</a:t>
-            </a:r>
-          </a:p>
-          <a:p>
-            <a:pPr marL="478483" indent="-478483">
+              <a:rPr lang="en-GB" sz="1100" dirty="0"/>
+              <a:t>Using I2C with serial to </a:t>
+            </a:r>
+            <a:r>
+              <a:rPr lang="en-GB" sz="1100" b="1" dirty="0"/>
+              <a:t>discover</a:t>
+            </a:r>
+            <a:r>
+              <a:rPr lang="en-GB" sz="1100" dirty="0"/>
+              <a:t> I2C devices</a:t>
+            </a:r>
+          </a:p>
+          <a:p>
+            <a:pPr marL="180000" indent="-478483">
+              <a:spcBef>
+                <a:spcPts val="300"/>
+              </a:spcBef>
               <a:buFont typeface="+mj-lt"/>
               <a:buAutoNum type="arabicPeriod"/>
             </a:pPr>
             <a:r>
-              <a:rPr lang="en-GB" sz="1100" dirty="0" smtClean="0"/>
-              <a:t>Using an I2C GCLD display</a:t>
-            </a:r>
-          </a:p>
-          <a:p>
-            <a:pPr marL="478483" indent="-478483">
+              <a:rPr lang="en-GB" sz="1100" dirty="0"/>
+              <a:t>Using an </a:t>
+            </a:r>
+            <a:r>
+              <a:rPr lang="en-GB" sz="1100" b="1" dirty="0"/>
+              <a:t>I2C</a:t>
+            </a:r>
+            <a:r>
+              <a:rPr lang="en-GB" sz="1100" dirty="0"/>
+              <a:t> GCLD display</a:t>
+            </a:r>
+          </a:p>
+          <a:p>
+            <a:pPr marL="180000" indent="-478483">
+              <a:spcBef>
+                <a:spcPts val="300"/>
+              </a:spcBef>
               <a:buFont typeface="+mj-lt"/>
               <a:buAutoNum type="arabicPeriod"/>
             </a:pPr>
             <a:r>
-              <a:rPr lang="en-GB" sz="1100" dirty="0" smtClean="0"/>
+              <a:rPr lang="en-GB" sz="1100" dirty="0"/>
               <a:t>Using a </a:t>
             </a:r>
             <a:r>
-              <a:rPr lang="en-GB" sz="1100" b="1" dirty="0" smtClean="0"/>
+              <a:rPr lang="en-GB" sz="1100" b="1" dirty="0"/>
               <a:t>SPI</a:t>
             </a:r>
             <a:r>
-              <a:rPr lang="en-GB" sz="1100" dirty="0" smtClean="0"/>
+              <a:rPr lang="en-GB" sz="1100" dirty="0"/>
               <a:t> GCLD display</a:t>
             </a:r>
           </a:p>
           <a:p>
-            <a:pPr marL="478483" indent="-478483">
+            <a:pPr marL="180000" indent="-478483">
+              <a:spcBef>
+                <a:spcPts val="300"/>
+              </a:spcBef>
               <a:buFont typeface="+mj-lt"/>
               <a:buAutoNum type="arabicPeriod"/>
             </a:pPr>
             <a:r>
+              <a:rPr lang="en-GB" sz="1100" dirty="0"/>
+              <a:t>Using </a:t>
+            </a:r>
+            <a:r>
+              <a:rPr lang="en-GB" sz="1100" b="1" dirty="0"/>
+              <a:t>PWM</a:t>
+            </a:r>
+            <a:r>
+              <a:rPr lang="en-GB" sz="1100" dirty="0"/>
+              <a:t>, </a:t>
+            </a:r>
+            <a:r>
               <a:rPr lang="en-GB" sz="1100" dirty="0" smtClean="0"/>
-              <a:t>Using </a:t>
-            </a:r>
-            <a:r>
-              <a:rPr lang="en-GB" sz="1100" b="1" dirty="0" smtClean="0"/>
-              <a:t>PWM</a:t>
-            </a:r>
-            <a:r>
-              <a:rPr lang="en-GB" sz="1100" dirty="0" smtClean="0"/>
-              <a:t>, 7  ways,  to dim the LEDS</a:t>
-            </a:r>
-          </a:p>
-          <a:p>
-            <a:pPr marL="478483" indent="-478483">
+              <a:t>many ways</a:t>
+            </a:r>
+            <a:r>
+              <a:rPr lang="en-GB" sz="1100" dirty="0"/>
+              <a:t>,  to dim the LEDS</a:t>
+            </a:r>
+          </a:p>
+          <a:p>
+            <a:pPr marL="180000" indent="-478483">
+              <a:spcBef>
+                <a:spcPts val="300"/>
+              </a:spcBef>
               <a:buFont typeface="+mj-lt"/>
               <a:buAutoNum type="arabicPeriod"/>
             </a:pPr>
             <a:r>
-              <a:rPr lang="en-GB" sz="1100" dirty="0" smtClean="0"/>
-              <a:t>Using an external </a:t>
-            </a:r>
-            <a:r>
-              <a:rPr lang="en-GB" sz="1100" b="1" dirty="0" smtClean="0"/>
-              <a:t>interrupt</a:t>
-            </a:r>
-            <a:r>
-              <a:rPr lang="en-GB" sz="1100" dirty="0" smtClean="0"/>
-              <a:t> to control an LED</a:t>
-            </a:r>
-          </a:p>
-          <a:p>
-            <a:pPr marL="478483" indent="-478483">
+              <a:rPr lang="en-GB" sz="1100" dirty="0"/>
+              <a:t>Using an </a:t>
+            </a:r>
+            <a:r>
+              <a:rPr lang="en-GB" sz="1100" b="1" dirty="0"/>
+              <a:t>external interrupt </a:t>
+            </a:r>
+            <a:r>
+              <a:rPr lang="en-GB" sz="1100" dirty="0"/>
+              <a:t>to control an LED</a:t>
+            </a:r>
+          </a:p>
+          <a:p>
+            <a:pPr marL="180000" indent="-478483">
+              <a:spcBef>
+                <a:spcPts val="300"/>
+              </a:spcBef>
               <a:buFont typeface="+mj-lt"/>
               <a:buAutoNum type="arabicPeriod"/>
             </a:pPr>
             <a:r>
               <a:rPr lang="en-GB" sz="1100" dirty="0"/>
-              <a:t>Using </a:t>
+              <a:t>Using storage within the chip – </a:t>
             </a:r>
             <a:r>
               <a:rPr lang="en-GB" sz="1100" b="1" dirty="0"/>
-              <a:t>storage</a:t>
+              <a:t>Progmem</a:t>
             </a:r>
             <a:r>
               <a:rPr lang="en-GB" sz="1100" dirty="0"/>
-              <a:t> within the </a:t>
+              <a:t>, </a:t>
+            </a:r>
+            <a:r>
+              <a:rPr lang="en-GB" sz="1100" b="1" dirty="0" smtClean="0"/>
+              <a:t>EEPROM</a:t>
             </a:r>
             <a:r>
               <a:rPr lang="en-GB" sz="1100" dirty="0" smtClean="0"/>
-              <a:t>chip </a:t>
+              <a:t> </a:t>
             </a:r>
             <a:r>
               <a:rPr lang="en-GB" sz="1100" dirty="0"/>
-              <a:t>– </a:t>
-            </a:r>
-            <a:r>
-              <a:rPr lang="en-GB" sz="1100" dirty="0" err="1"/>
-              <a:t>Progmem</a:t>
+              <a:t>and </a:t>
+            </a:r>
+            <a:r>
+              <a:rPr lang="en-GB" sz="1100" b="1" dirty="0"/>
+              <a:t>DATA</a:t>
             </a:r>
             <a:r>
               <a:rPr lang="en-GB" sz="1100" dirty="0"/>
-              <a:t>, SAF memory, EEPROM and DATA blocks</a:t>
-            </a:r>
-          </a:p>
-          <a:p>
-            <a:pPr marL="478483" indent="-478483">
+              <a:t> blocks</a:t>
+            </a:r>
+          </a:p>
+          <a:p>
+            <a:pPr marL="180000" indent="-478483">
+              <a:spcBef>
+                <a:spcPts val="300"/>
+              </a:spcBef>
               <a:buFont typeface="+mj-lt"/>
               <a:buAutoNum type="arabicPeriod"/>
             </a:pPr>
             <a:r>
               <a:rPr lang="en-GB" sz="1100" dirty="0" smtClean="0"/>
-              <a:t>Using </a:t>
-            </a:r>
-            <a:r>
-              <a:rPr lang="en-GB" sz="1100" b="1" dirty="0" smtClean="0"/>
-              <a:t>CLC</a:t>
-            </a:r>
-          </a:p>
-          <a:p>
-            <a:pPr marL="478483" indent="-478483">
+              <a:t>The </a:t>
+            </a:r>
+            <a:r>
+              <a:rPr lang="en-GB" sz="1100" dirty="0"/>
+              <a:t>GCBASIC </a:t>
+            </a:r>
+            <a:r>
+              <a:rPr lang="en-GB" sz="1100" b="1" dirty="0"/>
+              <a:t>tool chain</a:t>
+            </a:r>
+          </a:p>
+          <a:p>
+            <a:pPr marL="180000" indent="-478483">
+              <a:spcBef>
+                <a:spcPts val="300"/>
+              </a:spcBef>
               <a:buFont typeface="+mj-lt"/>
               <a:buAutoNum type="arabicPeriod"/>
             </a:pPr>
             <a:r>
-              <a:rPr lang="en-GB" sz="1100" dirty="0" smtClean="0"/>
-              <a:t>The </a:t>
-            </a:r>
-            <a:r>
-              <a:rPr lang="en-GB" sz="1100" b="1" dirty="0" smtClean="0"/>
-              <a:t>GCBASIC tool chain</a:t>
-            </a:r>
-          </a:p>
-          <a:p>
-            <a:pPr marL="478483" indent="-478483">
+              <a:rPr lang="en-GB" sz="1100" dirty="0"/>
+              <a:t>Assembly , alternatives assemblers and </a:t>
+            </a:r>
+            <a:r>
+              <a:rPr lang="en-GB" sz="1100" b="1" dirty="0"/>
+              <a:t>MPLAB-X</a:t>
+            </a:r>
+          </a:p>
+          <a:p>
+            <a:pPr marL="180000" indent="-478483">
+              <a:spcBef>
+                <a:spcPts val="300"/>
+              </a:spcBef>
               <a:buFont typeface="+mj-lt"/>
               <a:buAutoNum type="arabicPeriod"/>
             </a:pPr>
             <a:r>
-              <a:rPr lang="en-GB" sz="1100" dirty="0" smtClean="0"/>
-              <a:t>Assembly , alternatives assemblers and </a:t>
-            </a:r>
-            <a:r>
-              <a:rPr lang="en-GB" sz="1100" b="1" dirty="0" smtClean="0"/>
-              <a:t>MPLAB-X</a:t>
-            </a:r>
-          </a:p>
-          <a:p>
-            <a:pPr marL="478483" indent="-478483">
+              <a:rPr lang="en-GB" sz="1100" dirty="0"/>
+              <a:t>Summary</a:t>
+            </a:r>
+          </a:p>
+          <a:p>
+            <a:pPr marL="180000" indent="-478483">
+              <a:spcBef>
+                <a:spcPts val="300"/>
+              </a:spcBef>
               <a:buFont typeface="+mj-lt"/>
               <a:buAutoNum type="arabicPeriod"/>
             </a:pPr>
-            <a:r>
-              <a:rPr lang="en-GB" sz="1100" b="1" dirty="0" smtClean="0"/>
-              <a:t>Summary</a:t>
-            </a:r>
-          </a:p>
-          <a:p>
-            <a:pPr marL="478483" indent="-478483">
-              <a:buFont typeface="+mj-lt"/>
-              <a:buAutoNum type="arabicPeriod"/>
-            </a:pPr>
-            <a:endParaRPr lang="en-GB" sz="900" dirty="0" smtClean="0">
+            <a:endParaRPr lang="en-GB" sz="400" dirty="0" smtClean="0">
               <a:solidFill>
                 <a:schemeClr val="bg1">
                   <a:lumMod val="75000"/>
@@ -9588,53 +9640,70 @@
             </a:endParaRPr>
           </a:p>
           <a:p>
-            <a:pPr marL="478483" indent="-478483">
-              <a:buFont typeface="Arial" pitchFamily="34" charset="0"/>
+            <a:pPr marL="180000" indent="-478483">
+              <a:spcBef>
+                <a:spcPts val="300"/>
+              </a:spcBef>
               <a:buNone/>
             </a:pPr>
-            <a:endParaRPr lang="en-GB" sz="1100" dirty="0" smtClean="0"/>
-          </a:p>
-          <a:p>
-            <a:pPr marL="478483" indent="-478483">
+            <a:endParaRPr lang="en-GB" sz="700" dirty="0" smtClean="0"/>
+          </a:p>
+          <a:p>
+            <a:pPr marL="180000" indent="-478483">
+              <a:spcBef>
+                <a:spcPts val="300"/>
+              </a:spcBef>
               <a:buFont typeface="+mj-lt"/>
               <a:buAutoNum type="arabicPeriod"/>
             </a:pPr>
-            <a:endParaRPr lang="en-GB" sz="1100" dirty="0" smtClean="0"/>
-          </a:p>
-          <a:p>
-            <a:pPr marL="478483" indent="-478483">
+            <a:endParaRPr lang="en-GB" sz="700" dirty="0" smtClean="0"/>
+          </a:p>
+          <a:p>
+            <a:pPr marL="180000" indent="-478483">
+              <a:spcBef>
+                <a:spcPts val="300"/>
+              </a:spcBef>
               <a:buFont typeface="+mj-lt"/>
               <a:buAutoNum type="arabicPeriod"/>
             </a:pPr>
-            <a:endParaRPr lang="en-GB" sz="1000" dirty="0" smtClean="0"/>
-          </a:p>
-          <a:p>
-            <a:pPr marL="478483" indent="-478483">
+            <a:endParaRPr lang="en-GB" sz="500" dirty="0" smtClean="0"/>
+          </a:p>
+          <a:p>
+            <a:pPr marL="180000" indent="-478483">
+              <a:spcBef>
+                <a:spcPts val="300"/>
+              </a:spcBef>
               <a:buFont typeface="+mj-lt"/>
               <a:buAutoNum type="arabicPeriod"/>
             </a:pPr>
-            <a:endParaRPr lang="en-GB" sz="1000" dirty="0" smtClean="0"/>
-          </a:p>
-          <a:p>
-            <a:pPr marL="478483" indent="-478483">
+            <a:endParaRPr lang="en-GB" sz="500" dirty="0" smtClean="0"/>
+          </a:p>
+          <a:p>
+            <a:pPr marL="180000" indent="-478483">
+              <a:spcBef>
+                <a:spcPts val="300"/>
+              </a:spcBef>
               <a:buFont typeface="+mj-lt"/>
               <a:buAutoNum type="arabicPeriod"/>
             </a:pPr>
-            <a:endParaRPr lang="en-GB" sz="1000" dirty="0" smtClean="0"/>
-          </a:p>
-          <a:p>
-            <a:pPr marL="478483" indent="-478483">
+            <a:endParaRPr lang="en-GB" sz="500" dirty="0" smtClean="0"/>
+          </a:p>
+          <a:p>
+            <a:pPr marL="180000" indent="-478483">
+              <a:spcBef>
+                <a:spcPts val="300"/>
+              </a:spcBef>
               <a:buFont typeface="+mj-lt"/>
               <a:buAutoNum type="arabicPeriod"/>
             </a:pPr>
-            <a:endParaRPr lang="en-GB" sz="1000" dirty="0"/>
+            <a:endParaRPr lang="en-GB" sz="500" dirty="0"/>
           </a:p>
         </p:txBody>
       </p:sp>
     </p:spTree>
     <p:extLst>
       <p:ext uri="{BB962C8B-B14F-4D97-AF65-F5344CB8AC3E}">
-        <p14:creationId xmlns:p14="http://schemas.microsoft.com/office/powerpoint/2010/main" val="3948412390"/>
+        <p14:creationId xmlns:p14="http://schemas.microsoft.com/office/powerpoint/2010/main" val="3146100887"/>
       </p:ext>
     </p:extLst>
   </p:cSld>
@@ -9643,10 +9712,10 @@
   </p:clrMapOvr>
   <mc:AlternateContent xmlns:mc="http://schemas.openxmlformats.org/markup-compatibility/2006" xmlns:p14="http://schemas.microsoft.com/office/powerpoint/2010/main">
     <mc:Choice Requires="p14">
-      <p:transition spd="slow" p14:dur="2000" advClick="0"/>
+      <p:transition spd="slow" p14:dur="2000"/>
     </mc:Choice>
     <mc:Fallback xmlns="">
-      <p:transition spd="slow" advClick="0"/>
+      <p:transition spd="slow"/>
     </mc:Fallback>
   </mc:AlternateContent>
   <p:timing>
@@ -9788,23 +9857,7 @@
           <a:p>
             <a:r>
               <a:rPr lang="en-GB" dirty="0" smtClean="0"/>
-              <a:t>GCBASIC </a:t>
-            </a:r>
-            <a:r>
-              <a:rPr lang="en-GB" dirty="0" smtClean="0"/>
-              <a:t>supports </a:t>
-            </a:r>
-            <a:r>
-              <a:rPr lang="en-GB" dirty="0" smtClean="0"/>
-              <a:t>the </a:t>
-            </a:r>
-            <a:r>
-              <a:rPr lang="en-GB" dirty="0" smtClean="0"/>
-              <a:t>16Fxxxx </a:t>
-            </a:r>
-            <a:r>
-              <a:rPr lang="en-GB" dirty="0" smtClean="0"/>
-              <a:t>chip family</a:t>
+              <a:t>GCBASIC supports the 16Fxxxx chip family</a:t>
             </a:r>
           </a:p>
           <a:p>
@@ -11898,130 +11951,39 @@
           <a:bodyPr/>
           <a:lstStyle/>
           <a:p>
-            <a:pPr algn="l"/>
-            <a:r>
-              <a:rPr lang="en-GB" dirty="0" smtClean="0"/>
-              <a:t>Resources</a:t>
-            </a:r>
+            <a:endParaRPr lang="en-GB"/>
+          </a:p>
+        </p:txBody>
+      </p:sp>
+      <p:sp>
+        <p:nvSpPr>
+          <p:cNvPr id="3" name="Content Placeholder 2"/>
+          <p:cNvSpPr>
+            <a:spLocks noGrp="1"/>
+          </p:cNvSpPr>
+          <p:nvPr>
+            <p:ph idx="1"/>
+          </p:nvPr>
+        </p:nvSpPr>
+        <p:spPr/>
+        <p:txBody>
+          <a:bodyPr/>
+          <a:lstStyle/>
+          <a:p>
             <a:endParaRPr lang="en-GB" dirty="0"/>
-          </a:p>
-        </p:txBody>
-      </p:sp>
-      <p:sp>
-        <p:nvSpPr>
-          <p:cNvPr id="3" name="Content Placeholder 2"/>
-          <p:cNvSpPr>
-            <a:spLocks noGrp="1"/>
-          </p:cNvSpPr>
-          <p:nvPr>
-            <p:ph idx="1"/>
-          </p:nvPr>
-        </p:nvSpPr>
-        <p:spPr>
-          <a:xfrm>
-            <a:off x="508001" y="1707654"/>
-            <a:ext cx="7160343" cy="2744167"/>
-          </a:xfrm>
-          <a:solidFill>
-            <a:schemeClr val="bg1"/>
-          </a:solidFill>
-        </p:spPr>
-        <p:txBody>
-          <a:bodyPr>
-            <a:normAutofit/>
-          </a:bodyPr>
-          <a:lstStyle/>
-          <a:p>
-            <a:r>
-              <a:rPr lang="en-GB" dirty="0" smtClean="0"/>
-              <a:t>Tutorial </a:t>
-            </a:r>
-            <a:r>
-              <a:rPr lang="en-GB" dirty="0" smtClean="0"/>
-              <a:t>source code</a:t>
-            </a:r>
-          </a:p>
-          <a:p>
-            <a:pPr lvl="1">
-              <a:buNone/>
-            </a:pPr>
-            <a:r>
-              <a:rPr lang="en-GB" sz="900" u="sng" dirty="0">
-                <a:solidFill>
-                  <a:schemeClr val="tx2"/>
-                </a:solidFill>
-                <a:hlinkClick r:id="rId2"/>
-              </a:rPr>
-              <a:t>https://</a:t>
-            </a:r>
-            <a:r>
-              <a:rPr lang="en-GB" sz="900" u="sng" dirty="0">
-                <a:solidFill>
-                  <a:schemeClr val="tx2"/>
-                </a:solidFill>
-                <a:hlinkClick r:id="rId2"/>
-              </a:rPr>
-              <a:t>github.com/GreatCowBASIC/Demonstration_Sources/tree/main/Vendor_Boards/Microchip_PICDEM%202%20plus_board_2010</a:t>
-            </a:r>
-            <a:endParaRPr lang="en-GB" sz="900" u="sng" dirty="0">
-              <a:solidFill>
-                <a:schemeClr val="tx2"/>
-              </a:solidFill>
-            </a:endParaRPr>
-          </a:p>
-          <a:p>
-            <a:pPr marL="257175" lvl="1" indent="-257175"/>
-            <a:endParaRPr lang="en-GB" sz="1400" dirty="0" smtClean="0"/>
-          </a:p>
-          <a:p>
-            <a:pPr marL="257175" lvl="1" indent="-257175"/>
-            <a:r>
-              <a:rPr lang="en-GB" sz="1400" dirty="0" smtClean="0"/>
-              <a:t>Tutorial </a:t>
-            </a:r>
-            <a:r>
-              <a:rPr lang="en-GB" sz="1400" dirty="0"/>
-              <a:t>presentations</a:t>
-            </a:r>
-          </a:p>
-          <a:p>
-            <a:pPr lvl="1">
-              <a:buNone/>
-            </a:pPr>
-            <a:r>
-              <a:rPr lang="en-GB" sz="900" u="sng" dirty="0">
-                <a:solidFill>
-                  <a:schemeClr val="tx2"/>
-                </a:solidFill>
-              </a:rPr>
-              <a:t>https://github.com/GreatCowBASIC/Demonstration_Sources/tree/main/Vendor_Boards/Microchip_PICDEM%202%20plus_board_2010/tutorials</a:t>
-            </a:r>
-            <a:endParaRPr lang="en-GB" sz="900" u="sng" dirty="0">
-              <a:solidFill>
-                <a:schemeClr val="tx2"/>
-              </a:solidFill>
-            </a:endParaRPr>
           </a:p>
         </p:txBody>
       </p:sp>
     </p:spTree>
     <p:extLst>
       <p:ext uri="{BB962C8B-B14F-4D97-AF65-F5344CB8AC3E}">
-        <p14:creationId xmlns:p14="http://schemas.microsoft.com/office/powerpoint/2010/main" val="3973853613"/>
+        <p14:creationId xmlns:p14="http://schemas.microsoft.com/office/powerpoint/2010/main" val="2629750702"/>
       </p:ext>
     </p:extLst>
   </p:cSld>
   <p:clrMapOvr>
     <a:masterClrMapping/>
   </p:clrMapOvr>
-  <mc:AlternateContent xmlns:mc="http://schemas.openxmlformats.org/markup-compatibility/2006" xmlns:p14="http://schemas.microsoft.com/office/powerpoint/2010/main">
-    <mc:Choice Requires="p14">
-      <p:transition spd="slow" p14:dur="2000" advClick="0"/>
-    </mc:Choice>
-    <mc:Fallback xmlns="">
-      <p:transition spd="slow" advClick="0"/>
-    </mc:Fallback>
-  </mc:AlternateContent>
   <p:timing>
     <p:tnLst>
       <p:par>
@@ -12223,7 +12185,7 @@
   <a:extraClrSchemeLst/>
   <a:extLst>
     <a:ext uri="{05A4C25C-085E-4340-85A3-A5531E510DB2}">
-      <thm15:themeFamily xmlns:thm15="http://schemas.microsoft.com/office/thememl/2012/main" xmlns="" name="GCstudioThemeLight" id="{4C740F94-33C0-4EEC-9234-F56C348A0987}" vid="{A43F8B96-90D8-489D-B80F-92F9D6F351CC}"/>
+      <thm15:themeFamily xmlns="" xmlns:thm15="http://schemas.microsoft.com/office/thememl/2012/main" name="GCstudioThemeLight" id="{4C740F94-33C0-4EEC-9234-F56C348A0987}" vid="{A43F8B96-90D8-489D-B80F-92F9D6F351CC}"/>
     </a:ext>
   </a:extLst>
 </a:theme>
